--- a/PPT.pptx
+++ b/PPT.pptx
@@ -33,8 +33,8 @@
     <p:sldId id="277" r:id="rId24"/>
     <p:sldId id="278" r:id="rId25"/>
     <p:sldId id="279" r:id="rId26"/>
-    <p:sldId id="280" r:id="rId27"/>
-    <p:sldId id="281" r:id="rId28"/>
+    <p:sldId id="281" r:id="rId27"/>
+    <p:sldId id="280" r:id="rId28"/>
     <p:sldId id="282" r:id="rId29"/>
     <p:sldId id="283" r:id="rId30"/>
     <p:sldId id="285" r:id="rId31"/>
@@ -294,7 +294,7 @@
       </p15:sldGuideLst>
     </p:ext>
     <p:ext uri="GoogleSlidesCustomDataVersion2">
-      <go:slidesCustomData xmlns:go="http://customooxmlschemas.google.com/" xmlns:ahyp="http://schemas.microsoft.com/office/drawing/2018/hyperlinkcolor" xmlns:p15="http://schemas.microsoft.com/office/powerpoint/2012/main" xmlns:p14="http://schemas.microsoft.com/office/powerpoint/2010/main" xmlns:com="http://schemas.openxmlformats.org/drawingml/2006/compatibility" xmlns:pvml="urn:schemas-microsoft-com:office:powerpoint" xmlns:v="urn:schemas-microsoft-com:vml" xmlns:o="urn:schemas-microsoft-com:office:office" xmlns:dgm="http://schemas.openxmlformats.org/drawingml/2006/diagram" xmlns:c="http://schemas.openxmlformats.org/drawingml/2006/chart" xmlns:mv="urn:schemas-microsoft-com:mac:vml" xmlns:mc="http://schemas.openxmlformats.org/markup-compatibility/2006" xmlns="" r:id="rId45" roundtripDataSignature="AMtx7miIesKgz6Bg1KQVfs3FbfJJLj8hPA=="/>
+      <go:slidesCustomData xmlns="" xmlns:mc="http://schemas.openxmlformats.org/markup-compatibility/2006" xmlns:mv="urn:schemas-microsoft-com:mac:vml" xmlns:c="http://schemas.openxmlformats.org/drawingml/2006/chart" xmlns:dgm="http://schemas.openxmlformats.org/drawingml/2006/diagram" xmlns:o="urn:schemas-microsoft-com:office:office" xmlns:v="urn:schemas-microsoft-com:vml" xmlns:pvml="urn:schemas-microsoft-com:office:powerpoint" xmlns:com="http://schemas.openxmlformats.org/drawingml/2006/compatibility" xmlns:p14="http://schemas.microsoft.com/office/powerpoint/2010/main" xmlns:p15="http://schemas.microsoft.com/office/powerpoint/2012/main" xmlns:ahyp="http://schemas.microsoft.com/office/drawing/2018/hyperlinkcolor" xmlns:go="http://customooxmlschemas.google.com/" r:id="rId45" roundtripDataSignature="AMtx7miIesKgz6Bg1KQVfs3FbfJJLj8hPA=="/>
     </p:ext>
   </p:extLst>
 </p:presentation>
@@ -4605,6 +4605,182 @@
   <p:cSld>
     <p:spTree>
       <p:nvGrpSpPr>
+        <p:cNvPr id="1" name="Shape 298"/>
+        <p:cNvGrpSpPr/>
+        <p:nvPr/>
+      </p:nvGrpSpPr>
+      <p:grpSpPr>
+        <a:xfrm>
+          <a:off x="0" y="0"/>
+          <a:ext cx="0" cy="0"/>
+          <a:chOff x="0" y="0"/>
+          <a:chExt cx="0" cy="0"/>
+        </a:xfrm>
+      </p:grpSpPr>
+      <p:sp>
+        <p:nvSpPr>
+          <p:cNvPr id="299" name="Google Shape;299;p27:notes"/>
+          <p:cNvSpPr>
+            <a:spLocks noGrp="1" noRot="1" noChangeAspect="1"/>
+          </p:cNvSpPr>
+          <p:nvPr>
+            <p:ph type="sldImg" idx="2"/>
+          </p:nvPr>
+        </p:nvSpPr>
+        <p:spPr>
+          <a:xfrm>
+            <a:off x="685800" y="1143000"/>
+            <a:ext cx="5486400" cy="3086100"/>
+          </a:xfrm>
+          <a:custGeom>
+            <a:avLst/>
+            <a:gdLst/>
+            <a:ahLst/>
+            <a:cxnLst/>
+            <a:rect l="l" t="t" r="r" b="b"/>
+            <a:pathLst>
+              <a:path w="120000" h="120000" extrusionOk="0">
+                <a:moveTo>
+                  <a:pt x="0" y="0"/>
+                </a:moveTo>
+                <a:lnTo>
+                  <a:pt x="120000" y="0"/>
+                </a:lnTo>
+                <a:lnTo>
+                  <a:pt x="120000" y="120000"/>
+                </a:lnTo>
+                <a:lnTo>
+                  <a:pt x="0" y="120000"/>
+                </a:lnTo>
+                <a:close/>
+              </a:path>
+            </a:pathLst>
+          </a:custGeom>
+          <a:noFill/>
+          <a:ln w="12700" cap="flat" cmpd="sng">
+            <a:solidFill>
+              <a:srgbClr val="000000"/>
+            </a:solidFill>
+            <a:prstDash val="solid"/>
+            <a:round/>
+            <a:headEnd type="none" w="sm" len="sm"/>
+            <a:tailEnd type="none" w="sm" len="sm"/>
+          </a:ln>
+        </p:spPr>
+      </p:sp>
+      <p:sp>
+        <p:nvSpPr>
+          <p:cNvPr id="300" name="Google Shape;300;p27:notes"/>
+          <p:cNvSpPr txBox="1">
+            <a:spLocks noGrp="1"/>
+          </p:cNvSpPr>
+          <p:nvPr>
+            <p:ph type="body" idx="1"/>
+          </p:nvPr>
+        </p:nvSpPr>
+        <p:spPr>
+          <a:xfrm>
+            <a:off x="685800" y="4400550"/>
+            <a:ext cx="5486400" cy="3600600"/>
+          </a:xfrm>
+          <a:prstGeom prst="rect">
+            <a:avLst/>
+          </a:prstGeom>
+          <a:noFill/>
+          <a:ln>
+            <a:noFill/>
+          </a:ln>
+        </p:spPr>
+        <p:txBody>
+          <a:bodyPr spcFirstLastPara="1" wrap="square" lIns="91425" tIns="45700" rIns="91425" bIns="45700" anchor="t" anchorCtr="0">
+            <a:noAutofit/>
+          </a:bodyPr>
+          <a:lstStyle/>
+          <a:p>
+            <a:pPr marL="0" lvl="0" indent="0" algn="l" rtl="0">
+              <a:lnSpc>
+                <a:spcPct val="100000"/>
+              </a:lnSpc>
+              <a:spcBef>
+                <a:spcPts val="0"/>
+              </a:spcBef>
+              <a:spcAft>
+                <a:spcPts val="0"/>
+              </a:spcAft>
+              <a:buSzPts val="1400"/>
+              <a:buNone/>
+            </a:pPr>
+            <a:endParaRPr/>
+          </a:p>
+        </p:txBody>
+      </p:sp>
+      <p:sp>
+        <p:nvSpPr>
+          <p:cNvPr id="301" name="Google Shape;301;p27:notes"/>
+          <p:cNvSpPr txBox="1">
+            <a:spLocks noGrp="1"/>
+          </p:cNvSpPr>
+          <p:nvPr>
+            <p:ph type="sldNum" idx="12"/>
+          </p:nvPr>
+        </p:nvSpPr>
+        <p:spPr>
+          <a:xfrm>
+            <a:off x="3884613" y="8685213"/>
+            <a:ext cx="2971800" cy="458700"/>
+          </a:xfrm>
+          <a:prstGeom prst="rect">
+            <a:avLst/>
+          </a:prstGeom>
+          <a:noFill/>
+          <a:ln>
+            <a:noFill/>
+          </a:ln>
+        </p:spPr>
+        <p:txBody>
+          <a:bodyPr spcFirstLastPara="1" wrap="square" lIns="91425" tIns="45700" rIns="91425" bIns="45700" anchor="b" anchorCtr="0">
+            <a:noAutofit/>
+          </a:bodyPr>
+          <a:lstStyle/>
+          <a:p>
+            <a:pPr marL="0" lvl="0" indent="0" algn="r" rtl="0">
+              <a:lnSpc>
+                <a:spcPct val="100000"/>
+              </a:lnSpc>
+              <a:spcBef>
+                <a:spcPts val="0"/>
+              </a:spcBef>
+              <a:spcAft>
+                <a:spcPts val="0"/>
+              </a:spcAft>
+              <a:buClr>
+                <a:srgbClr val="000000"/>
+              </a:buClr>
+              <a:buSzPts val="1200"/>
+              <a:buFont typeface="Arial"/>
+              <a:buNone/>
+            </a:pPr>
+            <a:fld id="{00000000-1234-1234-1234-123412341234}" type="slidenum">
+              <a:rPr lang="en-US"/>
+              <a:t>26</a:t>
+            </a:fld>
+            <a:endParaRPr/>
+          </a:p>
+        </p:txBody>
+      </p:sp>
+    </p:spTree>
+  </p:cSld>
+  <p:clrMapOvr>
+    <a:masterClrMapping/>
+  </p:clrMapOvr>
+</p:notes>
+</file>
+
+<file path=ppt/notesSlides/notesSlide26.xml><?xml version="1.0" encoding="utf-8"?>
+<p:notes xmlns:a="http://schemas.openxmlformats.org/drawingml/2006/main" xmlns:r="http://schemas.openxmlformats.org/officeDocument/2006/relationships" xmlns:p="http://schemas.openxmlformats.org/presentationml/2006/main" showMasterSp="0" showMasterPhAnim="0">
+  <p:cSld>
+    <p:spTree>
+      <p:nvGrpSpPr>
         <p:cNvPr id="1" name="Shape 290"/>
         <p:cNvGrpSpPr/>
         <p:nvPr/>
@@ -4717,182 +4893,6 @@
       <p:sp>
         <p:nvSpPr>
           <p:cNvPr id="293" name="Google Shape;293;p26:notes"/>
-          <p:cNvSpPr txBox="1">
-            <a:spLocks noGrp="1"/>
-          </p:cNvSpPr>
-          <p:nvPr>
-            <p:ph type="sldNum" idx="12"/>
-          </p:nvPr>
-        </p:nvSpPr>
-        <p:spPr>
-          <a:xfrm>
-            <a:off x="3884613" y="8685213"/>
-            <a:ext cx="2971800" cy="458700"/>
-          </a:xfrm>
-          <a:prstGeom prst="rect">
-            <a:avLst/>
-          </a:prstGeom>
-          <a:noFill/>
-          <a:ln>
-            <a:noFill/>
-          </a:ln>
-        </p:spPr>
-        <p:txBody>
-          <a:bodyPr spcFirstLastPara="1" wrap="square" lIns="91425" tIns="45700" rIns="91425" bIns="45700" anchor="b" anchorCtr="0">
-            <a:noAutofit/>
-          </a:bodyPr>
-          <a:lstStyle/>
-          <a:p>
-            <a:pPr marL="0" lvl="0" indent="0" algn="r" rtl="0">
-              <a:lnSpc>
-                <a:spcPct val="100000"/>
-              </a:lnSpc>
-              <a:spcBef>
-                <a:spcPts val="0"/>
-              </a:spcBef>
-              <a:spcAft>
-                <a:spcPts val="0"/>
-              </a:spcAft>
-              <a:buClr>
-                <a:srgbClr val="000000"/>
-              </a:buClr>
-              <a:buSzPts val="1200"/>
-              <a:buFont typeface="Arial"/>
-              <a:buNone/>
-            </a:pPr>
-            <a:fld id="{00000000-1234-1234-1234-123412341234}" type="slidenum">
-              <a:rPr lang="en-US"/>
-              <a:t>26</a:t>
-            </a:fld>
-            <a:endParaRPr/>
-          </a:p>
-        </p:txBody>
-      </p:sp>
-    </p:spTree>
-  </p:cSld>
-  <p:clrMapOvr>
-    <a:masterClrMapping/>
-  </p:clrMapOvr>
-</p:notes>
-</file>
-
-<file path=ppt/notesSlides/notesSlide26.xml><?xml version="1.0" encoding="utf-8"?>
-<p:notes xmlns:a="http://schemas.openxmlformats.org/drawingml/2006/main" xmlns:r="http://schemas.openxmlformats.org/officeDocument/2006/relationships" xmlns:p="http://schemas.openxmlformats.org/presentationml/2006/main" showMasterSp="0" showMasterPhAnim="0">
-  <p:cSld>
-    <p:spTree>
-      <p:nvGrpSpPr>
-        <p:cNvPr id="1" name="Shape 298"/>
-        <p:cNvGrpSpPr/>
-        <p:nvPr/>
-      </p:nvGrpSpPr>
-      <p:grpSpPr>
-        <a:xfrm>
-          <a:off x="0" y="0"/>
-          <a:ext cx="0" cy="0"/>
-          <a:chOff x="0" y="0"/>
-          <a:chExt cx="0" cy="0"/>
-        </a:xfrm>
-      </p:grpSpPr>
-      <p:sp>
-        <p:nvSpPr>
-          <p:cNvPr id="299" name="Google Shape;299;p27:notes"/>
-          <p:cNvSpPr>
-            <a:spLocks noGrp="1" noRot="1" noChangeAspect="1"/>
-          </p:cNvSpPr>
-          <p:nvPr>
-            <p:ph type="sldImg" idx="2"/>
-          </p:nvPr>
-        </p:nvSpPr>
-        <p:spPr>
-          <a:xfrm>
-            <a:off x="685800" y="1143000"/>
-            <a:ext cx="5486400" cy="3086100"/>
-          </a:xfrm>
-          <a:custGeom>
-            <a:avLst/>
-            <a:gdLst/>
-            <a:ahLst/>
-            <a:cxnLst/>
-            <a:rect l="l" t="t" r="r" b="b"/>
-            <a:pathLst>
-              <a:path w="120000" h="120000" extrusionOk="0">
-                <a:moveTo>
-                  <a:pt x="0" y="0"/>
-                </a:moveTo>
-                <a:lnTo>
-                  <a:pt x="120000" y="0"/>
-                </a:lnTo>
-                <a:lnTo>
-                  <a:pt x="120000" y="120000"/>
-                </a:lnTo>
-                <a:lnTo>
-                  <a:pt x="0" y="120000"/>
-                </a:lnTo>
-                <a:close/>
-              </a:path>
-            </a:pathLst>
-          </a:custGeom>
-          <a:noFill/>
-          <a:ln w="12700" cap="flat" cmpd="sng">
-            <a:solidFill>
-              <a:srgbClr val="000000"/>
-            </a:solidFill>
-            <a:prstDash val="solid"/>
-            <a:round/>
-            <a:headEnd type="none" w="sm" len="sm"/>
-            <a:tailEnd type="none" w="sm" len="sm"/>
-          </a:ln>
-        </p:spPr>
-      </p:sp>
-      <p:sp>
-        <p:nvSpPr>
-          <p:cNvPr id="300" name="Google Shape;300;p27:notes"/>
-          <p:cNvSpPr txBox="1">
-            <a:spLocks noGrp="1"/>
-          </p:cNvSpPr>
-          <p:nvPr>
-            <p:ph type="body" idx="1"/>
-          </p:nvPr>
-        </p:nvSpPr>
-        <p:spPr>
-          <a:xfrm>
-            <a:off x="685800" y="4400550"/>
-            <a:ext cx="5486400" cy="3600600"/>
-          </a:xfrm>
-          <a:prstGeom prst="rect">
-            <a:avLst/>
-          </a:prstGeom>
-          <a:noFill/>
-          <a:ln>
-            <a:noFill/>
-          </a:ln>
-        </p:spPr>
-        <p:txBody>
-          <a:bodyPr spcFirstLastPara="1" wrap="square" lIns="91425" tIns="45700" rIns="91425" bIns="45700" anchor="t" anchorCtr="0">
-            <a:noAutofit/>
-          </a:bodyPr>
-          <a:lstStyle/>
-          <a:p>
-            <a:pPr marL="0" lvl="0" indent="0" algn="l" rtl="0">
-              <a:lnSpc>
-                <a:spcPct val="100000"/>
-              </a:lnSpc>
-              <a:spcBef>
-                <a:spcPts val="0"/>
-              </a:spcBef>
-              <a:spcAft>
-                <a:spcPts val="0"/>
-              </a:spcAft>
-              <a:buSzPts val="1400"/>
-              <a:buNone/>
-            </a:pPr>
-            <a:endParaRPr/>
-          </a:p>
-        </p:txBody>
-      </p:sp>
-      <p:sp>
-        <p:nvSpPr>
-          <p:cNvPr id="301" name="Google Shape;301;p27:notes"/>
           <p:cNvSpPr txBox="1">
             <a:spLocks noGrp="1"/>
           </p:cNvSpPr>
@@ -28251,6 +28251,871 @@
   <p:cSld>
     <p:spTree>
       <p:nvGrpSpPr>
+        <p:cNvPr id="1" name="Shape 302"/>
+        <p:cNvGrpSpPr/>
+        <p:nvPr/>
+      </p:nvGrpSpPr>
+      <p:grpSpPr>
+        <a:xfrm>
+          <a:off x="0" y="0"/>
+          <a:ext cx="0" cy="0"/>
+          <a:chOff x="0" y="0"/>
+          <a:chExt cx="0" cy="0"/>
+        </a:xfrm>
+      </p:grpSpPr>
+      <p:sp>
+        <p:nvSpPr>
+          <p:cNvPr id="303" name="Google Shape;303;p27"/>
+          <p:cNvSpPr txBox="1">
+            <a:spLocks noGrp="1"/>
+          </p:cNvSpPr>
+          <p:nvPr>
+            <p:ph type="sldNum" idx="12"/>
+          </p:nvPr>
+        </p:nvSpPr>
+        <p:spPr>
+          <a:xfrm>
+            <a:off x="8737600" y="6245225"/>
+            <a:ext cx="2641500" cy="476400"/>
+          </a:xfrm>
+          <a:prstGeom prst="rect">
+            <a:avLst/>
+          </a:prstGeom>
+          <a:noFill/>
+          <a:ln>
+            <a:noFill/>
+          </a:ln>
+        </p:spPr>
+        <p:txBody>
+          <a:bodyPr spcFirstLastPara="1" wrap="square" lIns="91425" tIns="45700" rIns="91425" bIns="45700" anchor="t" anchorCtr="0">
+            <a:noAutofit/>
+          </a:bodyPr>
+          <a:lstStyle/>
+          <a:p>
+            <a:pPr marL="0" lvl="0" indent="0" algn="r" rtl="0">
+              <a:lnSpc>
+                <a:spcPct val="100000"/>
+              </a:lnSpc>
+              <a:spcBef>
+                <a:spcPts val="0"/>
+              </a:spcBef>
+              <a:spcAft>
+                <a:spcPts val="0"/>
+              </a:spcAft>
+              <a:buClr>
+                <a:srgbClr val="000000"/>
+              </a:buClr>
+              <a:buSzPts val="1200"/>
+              <a:buFont typeface="Arial"/>
+              <a:buNone/>
+            </a:pPr>
+            <a:fld id="{00000000-1234-1234-1234-123412341234}" type="slidenum">
+              <a:rPr lang="en-US"/>
+              <a:t>26</a:t>
+            </a:fld>
+            <a:endParaRPr/>
+          </a:p>
+        </p:txBody>
+      </p:sp>
+      <p:sp>
+        <p:nvSpPr>
+          <p:cNvPr id="304" name="Google Shape;304;p27"/>
+          <p:cNvSpPr txBox="1"/>
+          <p:nvPr/>
+        </p:nvSpPr>
+        <p:spPr>
+          <a:xfrm>
+            <a:off x="966000" y="699125"/>
+            <a:ext cx="7644900" cy="670800"/>
+          </a:xfrm>
+          <a:prstGeom prst="rect">
+            <a:avLst/>
+          </a:prstGeom>
+          <a:noFill/>
+          <a:ln>
+            <a:noFill/>
+          </a:ln>
+        </p:spPr>
+        <p:txBody>
+          <a:bodyPr spcFirstLastPara="1" wrap="square" lIns="91425" tIns="91425" rIns="91425" bIns="91425" anchor="t" anchorCtr="0">
+            <a:noAutofit/>
+          </a:bodyPr>
+          <a:lstStyle/>
+          <a:p>
+            <a:pPr marL="0" marR="0" lvl="0" indent="0" algn="l" rtl="0">
+              <a:lnSpc>
+                <a:spcPct val="100000"/>
+              </a:lnSpc>
+              <a:spcBef>
+                <a:spcPts val="0"/>
+              </a:spcBef>
+              <a:spcAft>
+                <a:spcPts val="0"/>
+              </a:spcAft>
+              <a:buClr>
+                <a:srgbClr val="000000"/>
+              </a:buClr>
+              <a:buSzPts val="3800"/>
+              <a:buFont typeface="Arial"/>
+              <a:buNone/>
+            </a:pPr>
+            <a:r>
+              <a:rPr lang="en-US" sz="3800" b="1" i="0" u="none" strike="noStrike" cap="none" dirty="0">
+                <a:solidFill>
+                  <a:srgbClr val="FF0000"/>
+                </a:solidFill>
+                <a:latin typeface="Verdana"/>
+                <a:ea typeface="Verdana"/>
+                <a:cs typeface="Verdana"/>
+                <a:sym typeface="Verdana"/>
+              </a:rPr>
+              <a:t>XGBoost Algorithm</a:t>
+            </a:r>
+            <a:endParaRPr sz="3800" b="1" i="0" u="none" strike="noStrike" cap="none" dirty="0">
+              <a:solidFill>
+                <a:srgbClr val="FF0000"/>
+              </a:solidFill>
+              <a:latin typeface="Verdana"/>
+              <a:ea typeface="Verdana"/>
+              <a:cs typeface="Verdana"/>
+              <a:sym typeface="Verdana"/>
+            </a:endParaRPr>
+          </a:p>
+        </p:txBody>
+      </p:sp>
+      <p:sp>
+        <p:nvSpPr>
+          <p:cNvPr id="2" name="Google Shape;396;p38">
+            <a:extLst>
+              <a:ext uri="{FF2B5EF4-FFF2-40B4-BE49-F238E27FC236}">
+                <a16:creationId xmlns:a16="http://schemas.microsoft.com/office/drawing/2014/main" id="{34D3F8C9-0F15-CB81-A0CB-CBE0F079137E}"/>
+              </a:ext>
+            </a:extLst>
+          </p:cNvPr>
+          <p:cNvSpPr txBox="1">
+            <a:spLocks noGrp="1"/>
+          </p:cNvSpPr>
+          <p:nvPr>
+            <p:ph type="ftr" idx="11"/>
+          </p:nvPr>
+        </p:nvSpPr>
+        <p:spPr>
+          <a:xfrm>
+            <a:off x="4165600" y="6245225"/>
+            <a:ext cx="3860800" cy="476250"/>
+          </a:xfrm>
+          <a:prstGeom prst="rect">
+            <a:avLst/>
+          </a:prstGeom>
+          <a:noFill/>
+          <a:ln>
+            <a:noFill/>
+          </a:ln>
+        </p:spPr>
+        <p:txBody>
+          <a:bodyPr spcFirstLastPara="1" wrap="square" lIns="91425" tIns="45700" rIns="91425" bIns="45700" anchor="t" anchorCtr="0">
+            <a:noAutofit/>
+          </a:bodyPr>
+          <a:lstStyle/>
+          <a:p>
+            <a:pPr marL="0" lvl="0" indent="0" algn="ctr" rtl="0">
+              <a:lnSpc>
+                <a:spcPct val="100000"/>
+              </a:lnSpc>
+              <a:spcBef>
+                <a:spcPts val="0"/>
+              </a:spcBef>
+              <a:spcAft>
+                <a:spcPts val="0"/>
+              </a:spcAft>
+              <a:buSzPts val="1400"/>
+              <a:buNone/>
+            </a:pPr>
+            <a:r>
+              <a:rPr lang="en-US" dirty="0"/>
+              <a:t>Department of Artificial Intelligence and Data Science</a:t>
+            </a:r>
+            <a:endParaRPr dirty="0"/>
+          </a:p>
+        </p:txBody>
+      </p:sp>
+      <p:graphicFrame>
+        <p:nvGraphicFramePr>
+          <p:cNvPr id="3" name="Table 2">
+            <a:extLst>
+              <a:ext uri="{FF2B5EF4-FFF2-40B4-BE49-F238E27FC236}">
+                <a16:creationId xmlns:a16="http://schemas.microsoft.com/office/drawing/2014/main" id="{83915E29-9B4B-590D-B9F4-9D98E0FCE117}"/>
+              </a:ext>
+            </a:extLst>
+          </p:cNvPr>
+          <p:cNvGraphicFramePr>
+            <a:graphicFrameLocks noGrp="1"/>
+          </p:cNvGraphicFramePr>
+          <p:nvPr>
+            <p:extLst>
+              <p:ext uri="{D42A27DB-BD31-4B8C-83A1-F6EECF244321}">
+                <p14:modId xmlns:p14="http://schemas.microsoft.com/office/powerpoint/2010/main" val="2559392765"/>
+              </p:ext>
+            </p:extLst>
+          </p:nvPr>
+        </p:nvGraphicFramePr>
+        <p:xfrm>
+          <a:off x="2608118" y="1734058"/>
+          <a:ext cx="6754091" cy="4425365"/>
+        </p:xfrm>
+        <a:graphic>
+          <a:graphicData uri="http://schemas.openxmlformats.org/drawingml/2006/table">
+            <a:tbl>
+              <a:tblPr firstRow="1" firstCol="1" bandRow="1">
+                <a:tableStyleId>{35758FB7-9AC5-4552-8A53-C91805E547FA}</a:tableStyleId>
+              </a:tblPr>
+              <a:tblGrid>
+                <a:gridCol w="6754091">
+                  <a:extLst>
+                    <a:ext uri="{9D8B030D-6E8A-4147-A177-3AD203B41FA5}">
+                      <a16:colId xmlns:a16="http://schemas.microsoft.com/office/drawing/2014/main" val="3504347308"/>
+                    </a:ext>
+                  </a:extLst>
+                </a:gridCol>
+              </a:tblGrid>
+              <a:tr h="271957">
+                <a:tc>
+                  <a:txBody>
+                    <a:bodyPr/>
+                    <a:lstStyle/>
+                    <a:p>
+                      <a:pPr marL="0" marR="0">
+                        <a:lnSpc>
+                          <a:spcPct val="90000"/>
+                        </a:lnSpc>
+                        <a:spcAft>
+                          <a:spcPts val="800"/>
+                        </a:spcAft>
+                      </a:pPr>
+                      <a:r>
+                        <a:rPr lang="en-US" sz="1200" kern="100" dirty="0">
+                          <a:solidFill>
+                            <a:schemeClr val="accent6"/>
+                          </a:solidFill>
+                          <a:effectLst/>
+                        </a:rPr>
+                        <a:t>Algorithm 1: XGBoost model for Energy Consumption Prediction</a:t>
+                      </a:r>
+                      <a:endParaRPr lang="en-US" sz="1200" kern="100" dirty="0">
+                        <a:solidFill>
+                          <a:schemeClr val="accent6"/>
+                        </a:solidFill>
+                        <a:effectLst/>
+                        <a:latin typeface="Calibri" panose="020F0502020204030204" pitchFamily="34" charset="0"/>
+                        <a:ea typeface="Calibri" panose="020F0502020204030204" pitchFamily="34" charset="0"/>
+                        <a:cs typeface="Times New Roman" panose="02020603050405020304" pitchFamily="18" charset="0"/>
+                      </a:endParaRPr>
+                    </a:p>
+                  </a:txBody>
+                  <a:tcPr marL="67989" marR="67989" marT="0" marB="0" anchor="b"/>
+                </a:tc>
+                <a:extLst>
+                  <a:ext uri="{0D108BD9-81ED-4DB2-BD59-A6C34878D82A}">
+                    <a16:rowId xmlns:a16="http://schemas.microsoft.com/office/drawing/2014/main" val="1720045050"/>
+                  </a:ext>
+                </a:extLst>
+              </a:tr>
+              <a:tr h="3995243">
+                <a:tc>
+                  <a:txBody>
+                    <a:bodyPr/>
+                    <a:lstStyle/>
+                    <a:p>
+                      <a:pPr marL="342900" marR="0" lvl="0" indent="-342900" algn="just">
+                        <a:lnSpc>
+                          <a:spcPct val="90000"/>
+                        </a:lnSpc>
+                        <a:buFont typeface="+mj-lt"/>
+                        <a:buAutoNum type="arabicPeriod"/>
+                      </a:pPr>
+                      <a:r>
+                        <a:rPr lang="en-US" sz="1200" kern="100" dirty="0">
+                          <a:effectLst/>
+                        </a:rPr>
+                        <a:t>Initialize: </a:t>
+                      </a:r>
+                    </a:p>
+                    <a:p>
+                      <a:pPr marL="342900" marR="0" lvl="0" indent="-342900" algn="just">
+                        <a:lnSpc>
+                          <a:spcPct val="90000"/>
+                        </a:lnSpc>
+                        <a:buFont typeface="+mj-lt"/>
+                        <a:buAutoNum type="arabicPeriod"/>
+                      </a:pPr>
+                      <a:r>
+                        <a:rPr lang="en-US" sz="1200" kern="100" dirty="0">
+                          <a:effectLst/>
+                        </a:rPr>
+                        <a:t>Set </a:t>
+                      </a:r>
+                      <a:r>
+                        <a:rPr lang="en-US" sz="1200" kern="100" dirty="0" err="1">
+                          <a:effectLst/>
+                        </a:rPr>
+                        <a:t>nodeSet</a:t>
+                      </a:r>
+                      <a:r>
+                        <a:rPr lang="en-US" sz="1200" kern="100" dirty="0">
+                          <a:effectLst/>
+                        </a:rPr>
+                        <a:t> ← {0}, </a:t>
+                      </a:r>
+                      <a:r>
+                        <a:rPr lang="en-US" sz="1200" kern="100" dirty="0" err="1">
+                          <a:effectLst/>
+                        </a:rPr>
+                        <a:t>rowSet</a:t>
+                      </a:r>
+                      <a:r>
+                        <a:rPr lang="en-US" sz="1200" kern="100" dirty="0">
+                          <a:effectLst/>
+                        </a:rPr>
+                        <a:t> ← {0, 1, 2, ..., N}  // Initialize nodes and row sets</a:t>
+                      </a:r>
+                    </a:p>
+                    <a:p>
+                      <a:pPr marL="342900" marR="0" lvl="0" indent="-342900" algn="just">
+                        <a:lnSpc>
+                          <a:spcPct val="90000"/>
+                        </a:lnSpc>
+                        <a:spcAft>
+                          <a:spcPts val="800"/>
+                        </a:spcAft>
+                        <a:buFont typeface="+mj-lt"/>
+                        <a:buAutoNum type="arabicPeriod"/>
+                      </a:pPr>
+                      <a:r>
+                        <a:rPr lang="en-US" sz="1200" kern="100" dirty="0">
+                          <a:effectLst/>
+                        </a:rPr>
+                        <a:t>Define High Usage Threshold as μ + 2σ for alert generation</a:t>
+                      </a:r>
+                    </a:p>
+                    <a:p>
+                      <a:pPr marL="0" marR="0" algn="just">
+                        <a:lnSpc>
+                          <a:spcPct val="90000"/>
+                        </a:lnSpc>
+                        <a:spcAft>
+                          <a:spcPts val="800"/>
+                        </a:spcAft>
+                      </a:pPr>
+                      <a:r>
+                        <a:rPr lang="en-US" sz="1200" kern="100" dirty="0">
+                          <a:effectLst/>
+                        </a:rPr>
+                        <a:t> </a:t>
+                      </a:r>
+                    </a:p>
+                    <a:p>
+                      <a:pPr marL="342900" marR="0" lvl="0" indent="-342900" algn="just">
+                        <a:lnSpc>
+                          <a:spcPct val="90000"/>
+                        </a:lnSpc>
+                        <a:buFont typeface="+mj-lt"/>
+                        <a:buAutoNum type="arabicPeriod"/>
+                      </a:pPr>
+                      <a:r>
+                        <a:rPr lang="en-US" sz="1200" kern="100" dirty="0">
+                          <a:effectLst/>
+                        </a:rPr>
+                        <a:t>for t ← 1 to </a:t>
+                      </a:r>
+                      <a:r>
+                        <a:rPr lang="en-US" sz="1200" kern="100" dirty="0" err="1">
+                          <a:effectLst/>
+                        </a:rPr>
+                        <a:t>num_trees</a:t>
+                      </a:r>
+                      <a:r>
+                        <a:rPr lang="en-US" sz="1200" kern="100" dirty="0">
+                          <a:effectLst/>
+                        </a:rPr>
+                        <a:t>:</a:t>
+                      </a:r>
+                    </a:p>
+                    <a:p>
+                      <a:pPr marL="342900" marR="0" lvl="0" indent="-342900" algn="just">
+                        <a:lnSpc>
+                          <a:spcPct val="90000"/>
+                        </a:lnSpc>
+                        <a:buFont typeface="+mj-lt"/>
+                        <a:buAutoNum type="arabicPeriod"/>
+                      </a:pPr>
+                      <a:r>
+                        <a:rPr lang="en-US" sz="1200" kern="100" dirty="0">
+                          <a:effectLst/>
+                        </a:rPr>
+                        <a:t>for </a:t>
+                      </a:r>
+                      <a:r>
+                        <a:rPr lang="en-US" sz="1200" kern="100" dirty="0" err="1">
+                          <a:effectLst/>
+                        </a:rPr>
+                        <a:t>i</a:t>
+                      </a:r>
+                      <a:r>
+                        <a:rPr lang="en-US" sz="1200" kern="100" dirty="0">
+                          <a:effectLst/>
+                        </a:rPr>
+                        <a:t> ← 1 to d:</a:t>
+                      </a:r>
+                    </a:p>
+                    <a:p>
+                      <a:pPr marL="342900" marR="0" lvl="0" indent="-342900" algn="just">
+                        <a:lnSpc>
+                          <a:spcPct val="90000"/>
+                        </a:lnSpc>
+                        <a:buFont typeface="+mj-lt"/>
+                        <a:buAutoNum type="arabicPeriod"/>
+                      </a:pPr>
+                      <a:r>
+                        <a:rPr lang="en-US" sz="1200" kern="100" dirty="0">
+                          <a:effectLst/>
+                        </a:rPr>
+                        <a:t>for node in </a:t>
+                      </a:r>
+                      <a:r>
+                        <a:rPr lang="en-US" sz="1200" kern="100" dirty="0" err="1">
+                          <a:effectLst/>
+                        </a:rPr>
+                        <a:t>nodeSet</a:t>
+                      </a:r>
+                      <a:r>
+                        <a:rPr lang="en-US" sz="1200" kern="100" dirty="0">
+                          <a:effectLst/>
+                        </a:rPr>
+                        <a:t>:</a:t>
+                      </a:r>
+                    </a:p>
+                    <a:p>
+                      <a:pPr marL="342900" marR="0" lvl="0" indent="-342900" algn="just">
+                        <a:lnSpc>
+                          <a:spcPct val="90000"/>
+                        </a:lnSpc>
+                        <a:buFont typeface="+mj-lt"/>
+                        <a:buAutoNum type="arabicPeriod"/>
+                      </a:pPr>
+                      <a:r>
+                        <a:rPr lang="en-US" sz="1200" kern="100" dirty="0" err="1">
+                          <a:effectLst/>
+                        </a:rPr>
+                        <a:t>usedRows</a:t>
+                      </a:r>
+                      <a:r>
+                        <a:rPr lang="en-US" sz="1200" kern="100" dirty="0">
+                          <a:effectLst/>
+                        </a:rPr>
+                        <a:t> ← </a:t>
+                      </a:r>
+                      <a:r>
+                        <a:rPr lang="en-US" sz="1200" kern="100" dirty="0" err="1">
+                          <a:effectLst/>
+                        </a:rPr>
+                        <a:t>rowSet</a:t>
+                      </a:r>
+                      <a:r>
+                        <a:rPr lang="en-US" sz="1200" kern="100" dirty="0">
+                          <a:effectLst/>
+                        </a:rPr>
+                        <a:t>[node]  // Identify rows to use for splitting</a:t>
+                      </a:r>
+                    </a:p>
+                    <a:p>
+                      <a:pPr marL="342900" marR="0" lvl="0" indent="-342900" algn="just">
+                        <a:lnSpc>
+                          <a:spcPct val="90000"/>
+                        </a:lnSpc>
+                        <a:buFont typeface="+mj-lt"/>
+                        <a:buAutoNum type="arabicPeriod"/>
+                      </a:pPr>
+                      <a:r>
+                        <a:rPr lang="en-US" sz="1200" kern="100" dirty="0">
+                          <a:effectLst/>
+                        </a:rPr>
+                        <a:t>for k ← 1 to m:</a:t>
+                      </a:r>
+                    </a:p>
+                    <a:p>
+                      <a:pPr marL="342900" marR="0" lvl="0" indent="-342900" algn="just">
+                        <a:lnSpc>
+                          <a:spcPct val="90000"/>
+                        </a:lnSpc>
+                        <a:buFont typeface="+mj-lt"/>
+                        <a:buAutoNum type="arabicPeriod"/>
+                      </a:pPr>
+                      <a:r>
+                        <a:rPr lang="en-US" sz="1200" kern="100" dirty="0">
+                          <a:effectLst/>
+                        </a:rPr>
+                        <a:t>H ← </a:t>
+                      </a:r>
+                      <a:r>
+                        <a:rPr lang="en-US" sz="1200" kern="100" dirty="0" err="1">
+                          <a:effectLst/>
+                        </a:rPr>
+                        <a:t>newHistogram</a:t>
+                      </a:r>
+                      <a:r>
+                        <a:rPr lang="en-US" sz="1200" kern="100" dirty="0">
+                          <a:effectLst/>
+                        </a:rPr>
+                        <a:t>()  // Create a new histogram for splitting</a:t>
+                      </a:r>
+                    </a:p>
+                    <a:p>
+                      <a:pPr marL="342900" marR="0" lvl="0" indent="-342900" algn="just">
+                        <a:lnSpc>
+                          <a:spcPct val="90000"/>
+                        </a:lnSpc>
+                        <a:buFont typeface="+mj-lt"/>
+                        <a:buAutoNum type="arabicPeriod"/>
+                      </a:pPr>
+                      <a:r>
+                        <a:rPr lang="en-US" sz="1200" kern="100" dirty="0">
+                          <a:effectLst/>
+                        </a:rPr>
+                        <a:t>for j in </a:t>
+                      </a:r>
+                      <a:r>
+                        <a:rPr lang="en-US" sz="1200" kern="100" dirty="0" err="1">
+                          <a:effectLst/>
+                        </a:rPr>
+                        <a:t>usedRows</a:t>
+                      </a:r>
+                      <a:r>
+                        <a:rPr lang="en-US" sz="1200" kern="100" dirty="0">
+                          <a:effectLst/>
+                        </a:rPr>
+                        <a:t>:</a:t>
+                      </a:r>
+                    </a:p>
+                    <a:p>
+                      <a:pPr marL="742950" marR="0" lvl="1" indent="-285750" algn="just">
+                        <a:lnSpc>
+                          <a:spcPct val="90000"/>
+                        </a:lnSpc>
+                        <a:buFont typeface="+mj-lt"/>
+                        <a:buAutoNum type="alphaLcPeriod"/>
+                      </a:pPr>
+                      <a:r>
+                        <a:rPr lang="en-US" sz="1200" kern="100" dirty="0">
+                          <a:effectLst/>
+                        </a:rPr>
+                        <a:t>bin ← </a:t>
+                      </a:r>
+                      <a:r>
+                        <a:rPr lang="en-US" sz="1200" kern="100" dirty="0" err="1">
+                          <a:effectLst/>
+                        </a:rPr>
+                        <a:t>I.f</a:t>
+                      </a:r>
+                      <a:r>
+                        <a:rPr lang="en-US" sz="1200" kern="100" dirty="0">
+                          <a:effectLst/>
+                        </a:rPr>
+                        <a:t>[k][j].bin  // Assign data to bins</a:t>
+                      </a:r>
+                    </a:p>
+                    <a:p>
+                      <a:pPr marL="742950" marR="0" lvl="1" indent="-285750" algn="just">
+                        <a:lnSpc>
+                          <a:spcPct val="90000"/>
+                        </a:lnSpc>
+                        <a:buFont typeface="+mj-lt"/>
+                        <a:buAutoNum type="alphaLcPeriod"/>
+                      </a:pPr>
+                      <a:r>
+                        <a:rPr lang="en-US" sz="1200" kern="100" dirty="0">
+                          <a:effectLst/>
+                        </a:rPr>
+                        <a:t>H[bin].y ← H[bin].y + </a:t>
+                      </a:r>
+                      <a:r>
+                        <a:rPr lang="en-US" sz="1200" kern="100" dirty="0" err="1">
+                          <a:effectLst/>
+                        </a:rPr>
+                        <a:t>I.y</a:t>
+                      </a:r>
+                      <a:r>
+                        <a:rPr lang="en-US" sz="1200" kern="100" dirty="0">
+                          <a:effectLst/>
+                        </a:rPr>
+                        <a:t>[j]</a:t>
+                      </a:r>
+                    </a:p>
+                    <a:p>
+                      <a:pPr marL="742950" marR="0" lvl="1" indent="-285750" algn="just">
+                        <a:lnSpc>
+                          <a:spcPct val="90000"/>
+                        </a:lnSpc>
+                        <a:buFont typeface="+mj-lt"/>
+                        <a:buAutoNum type="alphaLcPeriod"/>
+                      </a:pPr>
+                      <a:r>
+                        <a:rPr lang="en-US" sz="1200" kern="100" dirty="0">
+                          <a:effectLst/>
+                        </a:rPr>
+                        <a:t>H[bin].n ← H[bin].n + 1</a:t>
+                      </a:r>
+                    </a:p>
+                    <a:p>
+                      <a:pPr marL="342900" marR="0" lvl="0" indent="-342900" algn="just">
+                        <a:lnSpc>
+                          <a:spcPct val="90000"/>
+                        </a:lnSpc>
+                        <a:buFont typeface="+mj-lt"/>
+                        <a:buAutoNum type="arabicPeriod"/>
+                      </a:pPr>
+                      <a:r>
+                        <a:rPr lang="en-US" sz="1200" kern="100" dirty="0">
+                          <a:effectLst/>
+                        </a:rPr>
+                        <a:t>end for</a:t>
+                      </a:r>
+                    </a:p>
+                    <a:p>
+                      <a:pPr marL="342900" marR="0" lvl="0" indent="-342900" algn="just">
+                        <a:lnSpc>
+                          <a:spcPct val="90000"/>
+                        </a:lnSpc>
+                        <a:buFont typeface="+mj-lt"/>
+                        <a:buAutoNum type="arabicPeriod"/>
+                      </a:pPr>
+                      <a:r>
+                        <a:rPr lang="en-US" sz="1200" kern="100" dirty="0" err="1">
+                          <a:effectLst/>
+                        </a:rPr>
+                        <a:t>best_split</a:t>
+                      </a:r>
+                      <a:r>
+                        <a:rPr lang="en-US" sz="1200" kern="100" dirty="0">
+                          <a:effectLst/>
+                        </a:rPr>
+                        <a:t> ← </a:t>
+                      </a:r>
+                      <a:r>
+                        <a:rPr lang="en-US" sz="1200" kern="100" dirty="0" err="1">
+                          <a:effectLst/>
+                        </a:rPr>
+                        <a:t>find_best_split</a:t>
+                      </a:r>
+                      <a:r>
+                        <a:rPr lang="en-US" sz="1200" kern="100" dirty="0">
+                          <a:effectLst/>
+                        </a:rPr>
+                        <a:t>(H)  // Find best split based on the histogram</a:t>
+                      </a:r>
+                    </a:p>
+                    <a:p>
+                      <a:pPr marL="342900" marR="0" lvl="0" indent="-342900" algn="just">
+                        <a:lnSpc>
+                          <a:spcPct val="90000"/>
+                        </a:lnSpc>
+                        <a:buFont typeface="+mj-lt"/>
+                        <a:buAutoNum type="arabicPeriod"/>
+                      </a:pPr>
+                      <a:r>
+                        <a:rPr lang="en-US" sz="1200" kern="100" dirty="0" err="1">
+                          <a:effectLst/>
+                        </a:rPr>
+                        <a:t>update_tree</a:t>
+                      </a:r>
+                      <a:r>
+                        <a:rPr lang="en-US" sz="1200" kern="100" dirty="0">
+                          <a:effectLst/>
+                        </a:rPr>
+                        <a:t>(node, </a:t>
+                      </a:r>
+                      <a:r>
+                        <a:rPr lang="en-US" sz="1200" kern="100" dirty="0" err="1">
+                          <a:effectLst/>
+                        </a:rPr>
+                        <a:t>best_split</a:t>
+                      </a:r>
+                      <a:r>
+                        <a:rPr lang="en-US" sz="1200" kern="100" dirty="0">
+                          <a:effectLst/>
+                        </a:rPr>
+                        <a:t>)  // Update tree with the best split</a:t>
+                      </a:r>
+                    </a:p>
+                    <a:p>
+                      <a:pPr marL="342900" marR="0" lvl="0" indent="-342900" algn="just">
+                        <a:lnSpc>
+                          <a:spcPct val="90000"/>
+                        </a:lnSpc>
+                        <a:buFont typeface="+mj-lt"/>
+                        <a:buAutoNum type="arabicPeriod"/>
+                      </a:pPr>
+                      <a:r>
+                        <a:rPr lang="en-US" sz="1200" kern="100" dirty="0" err="1">
+                          <a:effectLst/>
+                        </a:rPr>
+                        <a:t>update_rowSet</a:t>
+                      </a:r>
+                      <a:r>
+                        <a:rPr lang="en-US" sz="1200" kern="100" dirty="0">
+                          <a:effectLst/>
+                        </a:rPr>
+                        <a:t>(node, </a:t>
+                      </a:r>
+                      <a:r>
+                        <a:rPr lang="en-US" sz="1200" kern="100" dirty="0" err="1">
+                          <a:effectLst/>
+                        </a:rPr>
+                        <a:t>best_split</a:t>
+                      </a:r>
+                      <a:r>
+                        <a:rPr lang="en-US" sz="1200" kern="100" dirty="0">
+                          <a:effectLst/>
+                        </a:rPr>
+                        <a:t>)  // Update row set for the next iteration</a:t>
+                      </a:r>
+                    </a:p>
+                    <a:p>
+                      <a:pPr marL="342900" marR="0" lvl="0" indent="-342900" algn="just">
+                        <a:lnSpc>
+                          <a:spcPct val="90000"/>
+                        </a:lnSpc>
+                        <a:buFont typeface="+mj-lt"/>
+                        <a:buAutoNum type="arabicPeriod"/>
+                      </a:pPr>
+                      <a:r>
+                        <a:rPr lang="en-US" sz="1200" kern="100" dirty="0">
+                          <a:effectLst/>
+                        </a:rPr>
+                        <a:t>end for</a:t>
+                      </a:r>
+                    </a:p>
+                    <a:p>
+                      <a:pPr marL="342900" marR="0" lvl="0" indent="-342900" algn="just">
+                        <a:lnSpc>
+                          <a:spcPct val="90000"/>
+                        </a:lnSpc>
+                        <a:buFont typeface="+mj-lt"/>
+                        <a:buAutoNum type="arabicPeriod"/>
+                      </a:pPr>
+                      <a:r>
+                        <a:rPr lang="en-US" sz="1200" kern="100" dirty="0">
+                          <a:effectLst/>
+                        </a:rPr>
+                        <a:t>end for</a:t>
+                      </a:r>
+                    </a:p>
+                    <a:p>
+                      <a:pPr marL="342900" marR="0" lvl="0" indent="-342900" algn="just">
+                        <a:lnSpc>
+                          <a:spcPct val="90000"/>
+                        </a:lnSpc>
+                        <a:buFont typeface="+mj-lt"/>
+                        <a:buAutoNum type="arabicPeriod"/>
+                      </a:pPr>
+                      <a:r>
+                        <a:rPr lang="en-US" sz="1200" kern="100" dirty="0">
+                          <a:effectLst/>
+                        </a:rPr>
+                        <a:t>end for</a:t>
+                      </a:r>
+                    </a:p>
+                    <a:p>
+                      <a:pPr marL="342900" marR="0" lvl="0" indent="-342900" algn="just">
+                        <a:lnSpc>
+                          <a:spcPct val="90000"/>
+                        </a:lnSpc>
+                        <a:buFont typeface="+mj-lt"/>
+                        <a:buAutoNum type="arabicPeriod"/>
+                      </a:pPr>
+                      <a:r>
+                        <a:rPr lang="en-US" sz="1200" kern="100" dirty="0" err="1">
+                          <a:effectLst/>
+                        </a:rPr>
+                        <a:t>boosting_update</a:t>
+                      </a:r>
+                      <a:r>
+                        <a:rPr lang="en-US" sz="1200" kern="100" dirty="0">
+                          <a:effectLst/>
+                        </a:rPr>
+                        <a:t>()  // Update model using boosting</a:t>
+                      </a:r>
+                    </a:p>
+                    <a:p>
+                      <a:pPr marL="342900" marR="0" lvl="0" indent="-342900" algn="just">
+                        <a:lnSpc>
+                          <a:spcPct val="90000"/>
+                        </a:lnSpc>
+                        <a:buFont typeface="+mj-lt"/>
+                        <a:buAutoNum type="arabicPeriod"/>
+                      </a:pPr>
+                      <a:r>
+                        <a:rPr lang="en-US" sz="1200" kern="100" dirty="0" err="1">
+                          <a:effectLst/>
+                        </a:rPr>
+                        <a:t>add_tree_to_ensemble</a:t>
+                      </a:r>
+                      <a:r>
+                        <a:rPr lang="en-US" sz="1200" kern="100" dirty="0">
+                          <a:effectLst/>
+                        </a:rPr>
+                        <a:t>()  // Add new tree to the ensemble</a:t>
+                      </a:r>
+                    </a:p>
+                    <a:p>
+                      <a:pPr marL="342900" marR="0" lvl="0" indent="-342900" algn="just">
+                        <a:lnSpc>
+                          <a:spcPct val="90000"/>
+                        </a:lnSpc>
+                        <a:spcAft>
+                          <a:spcPts val="800"/>
+                        </a:spcAft>
+                        <a:buFont typeface="+mj-lt"/>
+                        <a:buAutoNum type="arabicPeriod"/>
+                      </a:pPr>
+                      <a:r>
+                        <a:rPr lang="en-US" sz="1200" kern="100" dirty="0">
+                          <a:effectLst/>
+                        </a:rPr>
+                        <a:t>end for</a:t>
+                      </a:r>
+                      <a:endParaRPr lang="en-US" sz="1200" kern="100" dirty="0">
+                        <a:effectLst/>
+                        <a:latin typeface="Calibri" panose="020F0502020204030204" pitchFamily="34" charset="0"/>
+                        <a:ea typeface="Calibri" panose="020F0502020204030204" pitchFamily="34" charset="0"/>
+                        <a:cs typeface="Times New Roman" panose="02020603050405020304" pitchFamily="18" charset="0"/>
+                      </a:endParaRPr>
+                    </a:p>
+                  </a:txBody>
+                  <a:tcPr marL="67989" marR="67989" marT="0" marB="0"/>
+                </a:tc>
+                <a:extLst>
+                  <a:ext uri="{0D108BD9-81ED-4DB2-BD59-A6C34878D82A}">
+                    <a16:rowId xmlns:a16="http://schemas.microsoft.com/office/drawing/2014/main" val="661172110"/>
+                  </a:ext>
+                </a:extLst>
+              </a:tr>
+            </a:tbl>
+          </a:graphicData>
+        </a:graphic>
+      </p:graphicFrame>
+    </p:spTree>
+  </p:cSld>
+  <p:clrMapOvr>
+    <a:masterClrMapping/>
+  </p:clrMapOvr>
+</p:sld>
+</file>
+
+<file path=ppt/slides/slide27.xml><?xml version="1.0" encoding="utf-8"?>
+<p:sld xmlns:a="http://schemas.openxmlformats.org/drawingml/2006/main" xmlns:r="http://schemas.openxmlformats.org/officeDocument/2006/relationships" xmlns:p="http://schemas.openxmlformats.org/presentationml/2006/main">
+  <p:cSld>
+    <p:spTree>
+      <p:nvGrpSpPr>
         <p:cNvPr id="1" name="Shape 294"/>
         <p:cNvGrpSpPr/>
         <p:nvPr/>
@@ -28311,7 +29176,7 @@
             </a:pPr>
             <a:fld id="{00000000-1234-1234-1234-123412341234}" type="slidenum">
               <a:rPr lang="en-US"/>
-              <a:t>26</a:t>
+              <a:t>27</a:t>
             </a:fld>
             <a:endParaRPr/>
           </a:p>
@@ -28383,33 +29248,6 @@
           </a:p>
         </p:txBody>
       </p:sp>
-      <p:pic>
-        <p:nvPicPr>
-          <p:cNvPr id="297" name="Google Shape;297;p26"/>
-          <p:cNvPicPr preferRelativeResize="0"/>
-          <p:nvPr/>
-        </p:nvPicPr>
-        <p:blipFill rotWithShape="1">
-          <a:blip r:embed="rId3">
-            <a:alphaModFix/>
-          </a:blip>
-          <a:srcRect/>
-          <a:stretch/>
-        </p:blipFill>
-        <p:spPr>
-          <a:xfrm>
-            <a:off x="152400" y="1706825"/>
-            <a:ext cx="11887201" cy="4376440"/>
-          </a:xfrm>
-          <a:prstGeom prst="rect">
-            <a:avLst/>
-          </a:prstGeom>
-          <a:noFill/>
-          <a:ln>
-            <a:noFill/>
-          </a:ln>
-        </p:spPr>
-      </p:pic>
       <p:sp>
         <p:nvSpPr>
           <p:cNvPr id="2" name="Google Shape;396;p38">
@@ -28466,234 +29304,36 @@
           </a:p>
         </p:txBody>
       </p:sp>
-    </p:spTree>
-  </p:cSld>
-  <p:clrMapOvr>
-    <a:masterClrMapping/>
-  </p:clrMapOvr>
-</p:sld>
-</file>
-
-<file path=ppt/slides/slide27.xml><?xml version="1.0" encoding="utf-8"?>
-<p:sld xmlns:a="http://schemas.openxmlformats.org/drawingml/2006/main" xmlns:r="http://schemas.openxmlformats.org/officeDocument/2006/relationships" xmlns:p="http://schemas.openxmlformats.org/presentationml/2006/main">
-  <p:cSld>
-    <p:spTree>
-      <p:nvGrpSpPr>
-        <p:cNvPr id="1" name="Shape 302"/>
-        <p:cNvGrpSpPr/>
-        <p:nvPr/>
-      </p:nvGrpSpPr>
-      <p:grpSpPr>
-        <a:xfrm>
-          <a:off x="0" y="0"/>
-          <a:ext cx="0" cy="0"/>
-          <a:chOff x="0" y="0"/>
-          <a:chExt cx="0" cy="0"/>
-        </a:xfrm>
-      </p:grpSpPr>
-      <p:sp>
-        <p:nvSpPr>
-          <p:cNvPr id="303" name="Google Shape;303;p27"/>
-          <p:cNvSpPr txBox="1">
-            <a:spLocks noGrp="1"/>
-          </p:cNvSpPr>
-          <p:nvPr>
-            <p:ph type="sldNum" idx="12"/>
-          </p:nvPr>
-        </p:nvSpPr>
+      <p:pic>
+        <p:nvPicPr>
+          <p:cNvPr id="4" name="Picture 3">
+            <a:extLst>
+              <a:ext uri="{FF2B5EF4-FFF2-40B4-BE49-F238E27FC236}">
+                <a16:creationId xmlns:a16="http://schemas.microsoft.com/office/drawing/2014/main" id="{05B42DBC-1AB8-4D69-34EA-CADD9E0DDADC}"/>
+              </a:ext>
+            </a:extLst>
+          </p:cNvPr>
+          <p:cNvPicPr>
+            <a:picLocks noChangeAspect="1"/>
+          </p:cNvPicPr>
+          <p:nvPr/>
+        </p:nvPicPr>
+        <p:blipFill>
+          <a:blip r:embed="rId3"/>
+          <a:stretch>
+            <a:fillRect/>
+          </a:stretch>
+        </p:blipFill>
         <p:spPr>
           <a:xfrm>
-            <a:off x="8737600" y="6245225"/>
-            <a:ext cx="2641500" cy="476400"/>
+            <a:off x="1091046" y="1943100"/>
+            <a:ext cx="9694718" cy="3836873"/>
           </a:xfrm>
           <a:prstGeom prst="rect">
             <a:avLst/>
           </a:prstGeom>
-          <a:noFill/>
-          <a:ln>
-            <a:noFill/>
-          </a:ln>
-        </p:spPr>
-        <p:txBody>
-          <a:bodyPr spcFirstLastPara="1" wrap="square" lIns="91425" tIns="45700" rIns="91425" bIns="45700" anchor="t" anchorCtr="0">
-            <a:noAutofit/>
-          </a:bodyPr>
-          <a:lstStyle/>
-          <a:p>
-            <a:pPr marL="0" lvl="0" indent="0" algn="r" rtl="0">
-              <a:lnSpc>
-                <a:spcPct val="100000"/>
-              </a:lnSpc>
-              <a:spcBef>
-                <a:spcPts val="0"/>
-              </a:spcBef>
-              <a:spcAft>
-                <a:spcPts val="0"/>
-              </a:spcAft>
-              <a:buClr>
-                <a:srgbClr val="000000"/>
-              </a:buClr>
-              <a:buSzPts val="1200"/>
-              <a:buFont typeface="Arial"/>
-              <a:buNone/>
-            </a:pPr>
-            <a:fld id="{00000000-1234-1234-1234-123412341234}" type="slidenum">
-              <a:rPr lang="en-US"/>
-              <a:t>27</a:t>
-            </a:fld>
-            <a:endParaRPr/>
-          </a:p>
-        </p:txBody>
-      </p:sp>
-      <p:sp>
-        <p:nvSpPr>
-          <p:cNvPr id="304" name="Google Shape;304;p27"/>
-          <p:cNvSpPr txBox="1"/>
-          <p:nvPr/>
-        </p:nvSpPr>
-        <p:spPr>
-          <a:xfrm>
-            <a:off x="966000" y="699125"/>
-            <a:ext cx="7644900" cy="670800"/>
-          </a:xfrm>
-          <a:prstGeom prst="rect">
-            <a:avLst/>
-          </a:prstGeom>
-          <a:noFill/>
-          <a:ln>
-            <a:noFill/>
-          </a:ln>
-        </p:spPr>
-        <p:txBody>
-          <a:bodyPr spcFirstLastPara="1" wrap="square" lIns="91425" tIns="91425" rIns="91425" bIns="91425" anchor="t" anchorCtr="0">
-            <a:noAutofit/>
-          </a:bodyPr>
-          <a:lstStyle/>
-          <a:p>
-            <a:pPr marL="0" marR="0" lvl="0" indent="0" algn="l" rtl="0">
-              <a:lnSpc>
-                <a:spcPct val="100000"/>
-              </a:lnSpc>
-              <a:spcBef>
-                <a:spcPts val="0"/>
-              </a:spcBef>
-              <a:spcAft>
-                <a:spcPts val="0"/>
-              </a:spcAft>
-              <a:buClr>
-                <a:srgbClr val="000000"/>
-              </a:buClr>
-              <a:buSzPts val="3800"/>
-              <a:buFont typeface="Arial"/>
-              <a:buNone/>
-            </a:pPr>
-            <a:r>
-              <a:rPr lang="en-US" sz="3800" b="1" i="0" u="none" strike="noStrike" cap="none">
-                <a:solidFill>
-                  <a:srgbClr val="FF0000"/>
-                </a:solidFill>
-                <a:latin typeface="Verdana"/>
-                <a:ea typeface="Verdana"/>
-                <a:cs typeface="Verdana"/>
-                <a:sym typeface="Verdana"/>
-              </a:rPr>
-              <a:t>Calculation by the model</a:t>
-            </a:r>
-            <a:endParaRPr sz="3800" b="1" i="0" u="none" strike="noStrike" cap="none">
-              <a:solidFill>
-                <a:srgbClr val="FF0000"/>
-              </a:solidFill>
-              <a:latin typeface="Verdana"/>
-              <a:ea typeface="Verdana"/>
-              <a:cs typeface="Verdana"/>
-              <a:sym typeface="Verdana"/>
-            </a:endParaRPr>
-          </a:p>
-        </p:txBody>
-      </p:sp>
-      <p:pic>
-        <p:nvPicPr>
-          <p:cNvPr id="305" name="Google Shape;305;p27"/>
-          <p:cNvPicPr preferRelativeResize="0"/>
-          <p:nvPr/>
-        </p:nvPicPr>
-        <p:blipFill rotWithShape="1">
-          <a:blip r:embed="rId3">
-            <a:alphaModFix/>
-          </a:blip>
-          <a:srcRect/>
-          <a:stretch/>
-        </p:blipFill>
-        <p:spPr>
-          <a:xfrm>
-            <a:off x="1568425" y="1794100"/>
-            <a:ext cx="7273174" cy="4193249"/>
-          </a:xfrm>
-          <a:prstGeom prst="rect">
-            <a:avLst/>
-          </a:prstGeom>
-          <a:noFill/>
-          <a:ln>
-            <a:noFill/>
-          </a:ln>
         </p:spPr>
       </p:pic>
-      <p:sp>
-        <p:nvSpPr>
-          <p:cNvPr id="2" name="Google Shape;396;p38">
-            <a:extLst>
-              <a:ext uri="{FF2B5EF4-FFF2-40B4-BE49-F238E27FC236}">
-                <a16:creationId xmlns:a16="http://schemas.microsoft.com/office/drawing/2014/main" id="{34D3F8C9-0F15-CB81-A0CB-CBE0F079137E}"/>
-              </a:ext>
-            </a:extLst>
-          </p:cNvPr>
-          <p:cNvSpPr txBox="1">
-            <a:spLocks noGrp="1"/>
-          </p:cNvSpPr>
-          <p:nvPr>
-            <p:ph type="ftr" idx="11"/>
-          </p:nvPr>
-        </p:nvSpPr>
-        <p:spPr>
-          <a:xfrm>
-            <a:off x="4165600" y="6245225"/>
-            <a:ext cx="3860800" cy="476250"/>
-          </a:xfrm>
-          <a:prstGeom prst="rect">
-            <a:avLst/>
-          </a:prstGeom>
-          <a:noFill/>
-          <a:ln>
-            <a:noFill/>
-          </a:ln>
-        </p:spPr>
-        <p:txBody>
-          <a:bodyPr spcFirstLastPara="1" wrap="square" lIns="91425" tIns="45700" rIns="91425" bIns="45700" anchor="t" anchorCtr="0">
-            <a:noAutofit/>
-          </a:bodyPr>
-          <a:lstStyle/>
-          <a:p>
-            <a:pPr marL="0" lvl="0" indent="0" algn="ctr" rtl="0">
-              <a:lnSpc>
-                <a:spcPct val="100000"/>
-              </a:lnSpc>
-              <a:spcBef>
-                <a:spcPts val="0"/>
-              </a:spcBef>
-              <a:spcAft>
-                <a:spcPts val="0"/>
-              </a:spcAft>
-              <a:buSzPts val="1400"/>
-              <a:buNone/>
-            </a:pPr>
-            <a:r>
-              <a:rPr lang="en-US" dirty="0"/>
-              <a:t>Department of Artificial Intelligence and Data Science</a:t>
-            </a:r>
-            <a:endParaRPr dirty="0"/>
-          </a:p>
-        </p:txBody>
-      </p:sp>
     </p:spTree>
   </p:cSld>
   <p:clrMapOvr>
@@ -28839,33 +29479,6 @@
           </a:p>
         </p:txBody>
       </p:sp>
-      <p:pic>
-        <p:nvPicPr>
-          <p:cNvPr id="313" name="Google Shape;313;p28"/>
-          <p:cNvPicPr preferRelativeResize="0"/>
-          <p:nvPr/>
-        </p:nvPicPr>
-        <p:blipFill rotWithShape="1">
-          <a:blip r:embed="rId3">
-            <a:alphaModFix/>
-          </a:blip>
-          <a:srcRect/>
-          <a:stretch/>
-        </p:blipFill>
-        <p:spPr>
-          <a:xfrm>
-            <a:off x="152400" y="3060000"/>
-            <a:ext cx="11887198" cy="2177438"/>
-          </a:xfrm>
-          <a:prstGeom prst="rect">
-            <a:avLst/>
-          </a:prstGeom>
-          <a:noFill/>
-          <a:ln>
-            <a:noFill/>
-          </a:ln>
-        </p:spPr>
-      </p:pic>
       <p:sp>
         <p:nvSpPr>
           <p:cNvPr id="2" name="Google Shape;396;p38">
@@ -28922,6 +29535,36 @@
           </a:p>
         </p:txBody>
       </p:sp>
+      <p:pic>
+        <p:nvPicPr>
+          <p:cNvPr id="4" name="Picture 3">
+            <a:extLst>
+              <a:ext uri="{FF2B5EF4-FFF2-40B4-BE49-F238E27FC236}">
+                <a16:creationId xmlns:a16="http://schemas.microsoft.com/office/drawing/2014/main" id="{D18A71E1-8E3C-8D70-2302-ED4F35D50776}"/>
+              </a:ext>
+            </a:extLst>
+          </p:cNvPr>
+          <p:cNvPicPr>
+            <a:picLocks noChangeAspect="1"/>
+          </p:cNvPicPr>
+          <p:nvPr/>
+        </p:nvPicPr>
+        <p:blipFill>
+          <a:blip r:embed="rId3"/>
+          <a:stretch>
+            <a:fillRect/>
+          </a:stretch>
+        </p:blipFill>
+        <p:spPr>
+          <a:xfrm>
+            <a:off x="3512127" y="1885816"/>
+            <a:ext cx="4769428" cy="4077005"/>
+          </a:xfrm>
+          <a:prstGeom prst="rect">
+            <a:avLst/>
+          </a:prstGeom>
+        </p:spPr>
+      </p:pic>
     </p:spTree>
   </p:cSld>
   <p:clrMapOvr>
